--- a/synthdatagen_demo.pptx
+++ b/synthdatagen_demo.pptx
@@ -109,6 +109,11 @@
       </a:defRPr>
     </a:lvl9pPr>
   </p:defaultTextStyle>
+  <p:extLst>
+    <p:ext uri="{EFAFB233-063F-42B5-8137-9DF3F51BA10A}">
+      <p15:sldGuideLst xmlns:p15="http://schemas.microsoft.com/office/powerpoint/2012/main"/>
+    </p:ext>
+  </p:extLst>
 </p:presentation>
 </file>
 
@@ -5698,7 +5703,7 @@
           <a:p>
             <a:fld id="{389AA24C-C5E7-3F49-93D7-B0525A44D4AE}" type="datetimeFigureOut">
               <a:rPr lang="en-AT" smtClean="0"/>
-              <a:t>10.08.23</a:t>
+              <a:t>11.08.23</a:t>
             </a:fld>
             <a:endParaRPr lang="en-AT"/>
           </a:p>
@@ -5898,7 +5903,7 @@
           <a:p>
             <a:fld id="{389AA24C-C5E7-3F49-93D7-B0525A44D4AE}" type="datetimeFigureOut">
               <a:rPr lang="en-AT" smtClean="0"/>
-              <a:t>10.08.23</a:t>
+              <a:t>11.08.23</a:t>
             </a:fld>
             <a:endParaRPr lang="en-AT"/>
           </a:p>
@@ -6108,7 +6113,7 @@
           <a:p>
             <a:fld id="{389AA24C-C5E7-3F49-93D7-B0525A44D4AE}" type="datetimeFigureOut">
               <a:rPr lang="en-AT" smtClean="0"/>
-              <a:t>10.08.23</a:t>
+              <a:t>11.08.23</a:t>
             </a:fld>
             <a:endParaRPr lang="en-AT"/>
           </a:p>
@@ -6308,7 +6313,7 @@
           <a:p>
             <a:fld id="{389AA24C-C5E7-3F49-93D7-B0525A44D4AE}" type="datetimeFigureOut">
               <a:rPr lang="en-AT" smtClean="0"/>
-              <a:t>10.08.23</a:t>
+              <a:t>11.08.23</a:t>
             </a:fld>
             <a:endParaRPr lang="en-AT"/>
           </a:p>
@@ -6584,7 +6589,7 @@
           <a:p>
             <a:fld id="{389AA24C-C5E7-3F49-93D7-B0525A44D4AE}" type="datetimeFigureOut">
               <a:rPr lang="en-AT" smtClean="0"/>
-              <a:t>10.08.23</a:t>
+              <a:t>11.08.23</a:t>
             </a:fld>
             <a:endParaRPr lang="en-AT"/>
           </a:p>
@@ -6852,7 +6857,7 @@
           <a:p>
             <a:fld id="{389AA24C-C5E7-3F49-93D7-B0525A44D4AE}" type="datetimeFigureOut">
               <a:rPr lang="en-AT" smtClean="0"/>
-              <a:t>10.08.23</a:t>
+              <a:t>11.08.23</a:t>
             </a:fld>
             <a:endParaRPr lang="en-AT"/>
           </a:p>
@@ -7267,7 +7272,7 @@
           <a:p>
             <a:fld id="{389AA24C-C5E7-3F49-93D7-B0525A44D4AE}" type="datetimeFigureOut">
               <a:rPr lang="en-AT" smtClean="0"/>
-              <a:t>10.08.23</a:t>
+              <a:t>11.08.23</a:t>
             </a:fld>
             <a:endParaRPr lang="en-AT"/>
           </a:p>
@@ -7409,7 +7414,7 @@
           <a:p>
             <a:fld id="{389AA24C-C5E7-3F49-93D7-B0525A44D4AE}" type="datetimeFigureOut">
               <a:rPr lang="en-AT" smtClean="0"/>
-              <a:t>10.08.23</a:t>
+              <a:t>11.08.23</a:t>
             </a:fld>
             <a:endParaRPr lang="en-AT"/>
           </a:p>
@@ -7522,7 +7527,7 @@
           <a:p>
             <a:fld id="{389AA24C-C5E7-3F49-93D7-B0525A44D4AE}" type="datetimeFigureOut">
               <a:rPr lang="en-AT" smtClean="0"/>
-              <a:t>10.08.23</a:t>
+              <a:t>11.08.23</a:t>
             </a:fld>
             <a:endParaRPr lang="en-AT"/>
           </a:p>
@@ -7835,7 +7840,7 @@
           <a:p>
             <a:fld id="{389AA24C-C5E7-3F49-93D7-B0525A44D4AE}" type="datetimeFigureOut">
               <a:rPr lang="en-AT" smtClean="0"/>
-              <a:t>10.08.23</a:t>
+              <a:t>11.08.23</a:t>
             </a:fld>
             <a:endParaRPr lang="en-AT"/>
           </a:p>
@@ -8124,7 +8129,7 @@
           <a:p>
             <a:fld id="{389AA24C-C5E7-3F49-93D7-B0525A44D4AE}" type="datetimeFigureOut">
               <a:rPr lang="en-AT" smtClean="0"/>
-              <a:t>10.08.23</a:t>
+              <a:t>11.08.23</a:t>
             </a:fld>
             <a:endParaRPr lang="en-AT"/>
           </a:p>
@@ -8367,7 +8372,7 @@
           <a:p>
             <a:fld id="{389AA24C-C5E7-3F49-93D7-B0525A44D4AE}" type="datetimeFigureOut">
               <a:rPr lang="en-AT" smtClean="0"/>
-              <a:t>10.08.23</a:t>
+              <a:t>11.08.23</a:t>
             </a:fld>
             <a:endParaRPr lang="en-AT"/>
           </a:p>
@@ -9382,28 +9387,40 @@
           <a:p>
             <a:pPr algn="l"/>
             <a:r>
-              <a:rPr lang="en-AT" sz="2200"/>
+              <a:rPr lang="en-AT" sz="2200" dirty="0"/>
               <a:t>WowDAO AI Hackathon, Synthetic Data Applications Track – </a:t>
             </a:r>
           </a:p>
           <a:p>
             <a:pPr algn="l"/>
             <a:r>
-              <a:rPr lang="en-GB" sz="2200" b="1"/>
+              <a:rPr lang="en-GB" sz="2200" b="1" dirty="0"/>
               <a:t>Synthetic data generation that gives smaller companies a chance to provide quality search recommendations.</a:t>
             </a:r>
             <a:br>
-              <a:rPr lang="en-GB" sz="2200" b="1"/>
+              <a:rPr lang="en-GB" sz="2200" b="1" dirty="0"/>
             </a:br>
             <a:r>
-              <a:rPr lang="en-GB" sz="2200" i="1"/>
+              <a:rPr lang="en-GB" sz="2200" i="1" dirty="0"/>
               <a:t>Team: </a:t>
             </a:r>
             <a:r>
-              <a:rPr lang="en-GB" sz="2200" i="1" err="1"/>
+              <a:rPr lang="en-GB" sz="2200" i="1" dirty="0" err="1"/>
               <a:t>HackingFromRV</a:t>
             </a:r>
-            <a:endParaRPr lang="en-AT" sz="2200" i="1"/>
+            <a:r>
+              <a:rPr lang="en-GB" sz="2200" i="1" dirty="0"/>
+              <a:t> (David &amp; </a:t>
+            </a:r>
+            <a:r>
+              <a:rPr lang="en-GB" sz="2200" i="1" dirty="0" err="1"/>
+              <a:t>Jinsuk</a:t>
+            </a:r>
+            <a:r>
+              <a:rPr lang="en-GB" sz="2200" i="1" dirty="0"/>
+              <a:t>)</a:t>
+            </a:r>
+            <a:endParaRPr lang="en-AT" sz="2200" i="1" dirty="0"/>
           </a:p>
         </p:txBody>
       </p:sp>
@@ -10872,62 +10889,62 @@
           <a:lstStyle/>
           <a:p>
             <a:r>
-              <a:rPr lang="en-AT" sz="2000"/>
-              <a:t>The LLM acts as a person with the specified user profile</a:t>
+              <a:rPr lang="en-AT" sz="2000" dirty="0"/>
+              <a:t>The LLM acts as a person with the specified user profile browsing the eCommerce page</a:t>
             </a:r>
           </a:p>
           <a:p>
             <a:r>
-              <a:rPr lang="en-AT" sz="2000"/>
-              <a:t>A list of actions on the eCommerce page that the LLM took is generated:</a:t>
+              <a:rPr lang="en-AT" sz="2000" dirty="0"/>
+              <a:t>A dataset of actions on the eCommerce page that the LLM took is generated:</a:t>
             </a:r>
           </a:p>
           <a:p>
             <a:pPr lvl="1"/>
             <a:r>
-              <a:rPr lang="en-AT" sz="2000"/>
+              <a:rPr lang="en-AT" sz="2000" dirty="0"/>
               <a:t>Searching</a:t>
             </a:r>
           </a:p>
           <a:p>
             <a:pPr lvl="1"/>
             <a:r>
-              <a:rPr lang="en-AT" sz="2000"/>
+              <a:rPr lang="en-AT" sz="2000" dirty="0"/>
               <a:t>Clicking on search results</a:t>
             </a:r>
           </a:p>
           <a:p>
             <a:pPr lvl="1"/>
             <a:r>
-              <a:rPr lang="en-AT" sz="2000"/>
+              <a:rPr lang="en-AT" sz="2000" dirty="0"/>
               <a:t>Clicking on recommended items</a:t>
             </a:r>
           </a:p>
           <a:p>
             <a:pPr lvl="1"/>
             <a:r>
-              <a:rPr lang="en-AT" sz="2000"/>
+              <a:rPr lang="en-AT" sz="2000" dirty="0"/>
               <a:t>Going back to the search results</a:t>
             </a:r>
           </a:p>
           <a:p>
             <a:pPr lvl="1"/>
             <a:r>
-              <a:rPr lang="en-AT" sz="2000"/>
+              <a:rPr lang="en-AT" sz="2000" dirty="0"/>
               <a:t>Buying the item</a:t>
             </a:r>
           </a:p>
           <a:p>
             <a:r>
-              <a:rPr lang="en-AT" sz="2000"/>
-              <a:t>This list can be used for search &amp; recommendation optimisation</a:t>
+              <a:rPr lang="en-AT" sz="2000" dirty="0"/>
+              <a:t>This dataset can be used for search &amp; recommendation optimisation</a:t>
             </a:r>
           </a:p>
           <a:p>
             <a:pPr marL="457200" lvl="1" indent="0">
               <a:buNone/>
             </a:pPr>
-            <a:endParaRPr lang="en-AT" sz="2000"/>
+            <a:endParaRPr lang="en-AT" sz="2000" dirty="0"/>
           </a:p>
         </p:txBody>
       </p:sp>

--- a/synthdatagen_demo.pptx
+++ b/synthdatagen_demo.pptx
@@ -9347,12 +9347,12 @@
           <a:p>
             <a:pPr algn="l"/>
             <a:r>
-              <a:rPr lang="en-AT" sz="4800">
+              <a:rPr lang="en-AT" sz="4800" dirty="0">
                 <a:solidFill>
                   <a:srgbClr val="FFFFFF"/>
                 </a:solidFill>
               </a:rPr>
-              <a:t>AI_SYNTHESIS</a:t>
+              <a:t>Botify</a:t>
             </a:r>
           </a:p>
         </p:txBody>
